--- a/Agile Business Analysis/02-Project Vision and Business Objectives.pptx
+++ b/Agile Business Analysis/02-Project Vision and Business Objectives.pptx
@@ -133,6 +133,22 @@
       </a:defRPr>
     </a:lvl9pPr>
   </p:defaultTextStyle>
+  <p:extLst>
+    <p:ext uri="{EFAFB233-063F-42B5-8137-9DF3F51BA10A}">
+      <p15:sldGuideLst xmlns:p15="http://schemas.microsoft.com/office/powerpoint/2012/main">
+        <p15:guide id="1" orient="horz" pos="2160">
+          <p15:clr>
+            <a:srgbClr val="A4A3A4"/>
+          </p15:clr>
+        </p15:guide>
+        <p15:guide id="2" pos="2880">
+          <p15:clr>
+            <a:srgbClr val="A4A3A4"/>
+          </p15:clr>
+        </p15:guide>
+      </p15:sldGuideLst>
+    </p:ext>
+  </p:extLst>
 </p:presentation>
 </file>
 
@@ -218,7 +234,7 @@
           <a:p>
             <a:fld id="{56E711E6-639C-E844-BBE4-140FBBE7A684}" type="datetimeFigureOut">
               <a:rPr lang="en-US" smtClean="0"/>
-              <a:t>9/22/15</a:t>
+              <a:t>10/5/15</a:t>
             </a:fld>
             <a:endParaRPr lang="en-US"/>
           </a:p>
@@ -663,6 +679,11 @@
         </p:txBody>
       </p:sp>
     </p:spTree>
+    <p:extLst>
+      <p:ext uri="{BB962C8B-B14F-4D97-AF65-F5344CB8AC3E}">
+        <p14:creationId xmlns:p14="http://schemas.microsoft.com/office/powerpoint/2010/main" val="1324303548"/>
+      </p:ext>
+    </p:extLst>
   </p:cSld>
   <p:clrMapOvr>
     <a:masterClrMapping/>
@@ -781,6 +802,11 @@
         </p:txBody>
       </p:sp>
     </p:spTree>
+    <p:extLst>
+      <p:ext uri="{BB962C8B-B14F-4D97-AF65-F5344CB8AC3E}">
+        <p14:creationId xmlns:p14="http://schemas.microsoft.com/office/powerpoint/2010/main" val="826422186"/>
+      </p:ext>
+    </p:extLst>
   </p:cSld>
   <p:clrMapOvr>
     <a:masterClrMapping/>
@@ -938,6 +964,11 @@
         </p:txBody>
       </p:sp>
     </p:spTree>
+    <p:extLst>
+      <p:ext uri="{BB962C8B-B14F-4D97-AF65-F5344CB8AC3E}">
+        <p14:creationId xmlns:p14="http://schemas.microsoft.com/office/powerpoint/2010/main" val="1900934953"/>
+      </p:ext>
+    </p:extLst>
   </p:cSld>
   <p:clrMapOvr>
     <a:masterClrMapping/>
@@ -1051,6 +1082,11 @@
         </p:txBody>
       </p:sp>
     </p:spTree>
+    <p:extLst>
+      <p:ext uri="{BB962C8B-B14F-4D97-AF65-F5344CB8AC3E}">
+        <p14:creationId xmlns:p14="http://schemas.microsoft.com/office/powerpoint/2010/main" val="899538652"/>
+      </p:ext>
+    </p:extLst>
   </p:cSld>
   <p:clrMapOvr>
     <a:masterClrMapping/>
@@ -1105,7 +1141,7 @@
         <p:spPr/>
         <p:txBody>
           <a:bodyPr>
-            <a:normAutofit fontScale="70000" lnSpcReduction="20000"/>
+            <a:normAutofit/>
           </a:bodyPr>
           <a:lstStyle/>
           <a:p>
@@ -1152,6 +1188,11 @@
         </p:txBody>
       </p:sp>
     </p:spTree>
+    <p:extLst>
+      <p:ext uri="{BB962C8B-B14F-4D97-AF65-F5344CB8AC3E}">
+        <p14:creationId xmlns:p14="http://schemas.microsoft.com/office/powerpoint/2010/main" val="261249284"/>
+      </p:ext>
+    </p:extLst>
   </p:cSld>
   <p:clrMapOvr>
     <a:masterClrMapping/>
@@ -1266,6 +1307,11 @@
         </p:txBody>
       </p:sp>
     </p:spTree>
+    <p:extLst>
+      <p:ext uri="{BB962C8B-B14F-4D97-AF65-F5344CB8AC3E}">
+        <p14:creationId xmlns:p14="http://schemas.microsoft.com/office/powerpoint/2010/main" val="1360141720"/>
+      </p:ext>
+    </p:extLst>
   </p:cSld>
   <p:clrMapOvr>
     <a:masterClrMapping/>
@@ -1362,6 +1408,11 @@
         </p:txBody>
       </p:sp>
     </p:spTree>
+    <p:extLst>
+      <p:ext uri="{BB962C8B-B14F-4D97-AF65-F5344CB8AC3E}">
+        <p14:creationId xmlns:p14="http://schemas.microsoft.com/office/powerpoint/2010/main" val="2085949372"/>
+      </p:ext>
+    </p:extLst>
   </p:cSld>
   <p:clrMapOvr>
     <a:masterClrMapping/>
@@ -1531,6 +1582,11 @@
         </p:txBody>
       </p:sp>
     </p:spTree>
+    <p:extLst>
+      <p:ext uri="{BB962C8B-B14F-4D97-AF65-F5344CB8AC3E}">
+        <p14:creationId xmlns:p14="http://schemas.microsoft.com/office/powerpoint/2010/main" val="880557929"/>
+      </p:ext>
+    </p:extLst>
   </p:cSld>
   <p:clrMapOvr>
     <a:masterClrMapping/>
@@ -1787,6 +1843,11 @@
         </p:txBody>
       </p:sp>
     </p:spTree>
+    <p:extLst>
+      <p:ext uri="{BB962C8B-B14F-4D97-AF65-F5344CB8AC3E}">
+        <p14:creationId xmlns:p14="http://schemas.microsoft.com/office/powerpoint/2010/main" val="1227301226"/>
+      </p:ext>
+    </p:extLst>
   </p:cSld>
   <p:clrMapOvr>
     <a:masterClrMapping/>
@@ -1901,6 +1962,11 @@
         </p:txBody>
       </p:sp>
     </p:spTree>
+    <p:extLst>
+      <p:ext uri="{BB962C8B-B14F-4D97-AF65-F5344CB8AC3E}">
+        <p14:creationId xmlns:p14="http://schemas.microsoft.com/office/powerpoint/2010/main" val="671275947"/>
+      </p:ext>
+    </p:extLst>
   </p:cSld>
   <p:clrMapOvr>
     <a:masterClrMapping/>
@@ -2085,6 +2151,11 @@
         </p:txBody>
       </p:sp>
     </p:spTree>
+    <p:extLst>
+      <p:ext uri="{BB962C8B-B14F-4D97-AF65-F5344CB8AC3E}">
+        <p14:creationId xmlns:p14="http://schemas.microsoft.com/office/powerpoint/2010/main" val="1403243538"/>
+      </p:ext>
+    </p:extLst>
   </p:cSld>
   <p:clrMapOvr>
     <a:masterClrMapping/>
@@ -2312,6 +2383,11 @@
         </p:txBody>
       </p:sp>
     </p:spTree>
+    <p:extLst>
+      <p:ext uri="{BB962C8B-B14F-4D97-AF65-F5344CB8AC3E}">
+        <p14:creationId xmlns:p14="http://schemas.microsoft.com/office/powerpoint/2010/main" val="1049213728"/>
+      </p:ext>
+    </p:extLst>
   </p:cSld>
   <p:clrMapOvr>
     <a:masterClrMapping/>
@@ -2441,6 +2517,11 @@
         </p:txBody>
       </p:sp>
     </p:spTree>
+    <p:extLst>
+      <p:ext uri="{BB962C8B-B14F-4D97-AF65-F5344CB8AC3E}">
+        <p14:creationId xmlns:p14="http://schemas.microsoft.com/office/powerpoint/2010/main" val="648731812"/>
+      </p:ext>
+    </p:extLst>
   </p:cSld>
   <p:clrMapOvr>
     <a:masterClrMapping/>
@@ -3148,6 +3229,11 @@
         </p:txBody>
       </p:sp>
     </p:spTree>
+    <p:extLst>
+      <p:ext uri="{BB962C8B-B14F-4D97-AF65-F5344CB8AC3E}">
+        <p14:creationId xmlns:p14="http://schemas.microsoft.com/office/powerpoint/2010/main" val="461088465"/>
+      </p:ext>
+    </p:extLst>
   </p:cSld>
   <p:clrMapOvr>
     <a:masterClrMapping/>
@@ -3302,7 +3388,7 @@
         <p:spPr/>
         <p:txBody>
           <a:bodyPr>
-            <a:normAutofit fontScale="92500" lnSpcReduction="10000"/>
+            <a:normAutofit/>
           </a:bodyPr>
           <a:lstStyle/>
           <a:p>
@@ -3408,6 +3494,11 @@
         </p:txBody>
       </p:sp>
     </p:spTree>
+    <p:extLst>
+      <p:ext uri="{BB962C8B-B14F-4D97-AF65-F5344CB8AC3E}">
+        <p14:creationId xmlns:p14="http://schemas.microsoft.com/office/powerpoint/2010/main" val="1146900979"/>
+      </p:ext>
+    </p:extLst>
   </p:cSld>
   <p:clrMapOvr>
     <a:masterClrMapping/>
@@ -3499,6 +3590,11 @@
         </p:txBody>
       </p:sp>
     </p:spTree>
+    <p:extLst>
+      <p:ext uri="{BB962C8B-B14F-4D97-AF65-F5344CB8AC3E}">
+        <p14:creationId xmlns:p14="http://schemas.microsoft.com/office/powerpoint/2010/main" val="151538581"/>
+      </p:ext>
+    </p:extLst>
   </p:cSld>
   <p:clrMapOvr>
     <a:masterClrMapping/>
@@ -3548,7 +3644,7 @@
         <p:spPr/>
         <p:txBody>
           <a:bodyPr>
-            <a:normAutofit lnSpcReduction="10000"/>
+            <a:normAutofit/>
           </a:bodyPr>
           <a:lstStyle/>
           <a:p>
@@ -3643,6 +3739,11 @@
         </p:txBody>
       </p:sp>
     </p:spTree>
+    <p:extLst>
+      <p:ext uri="{BB962C8B-B14F-4D97-AF65-F5344CB8AC3E}">
+        <p14:creationId xmlns:p14="http://schemas.microsoft.com/office/powerpoint/2010/main" val="1638731966"/>
+      </p:ext>
+    </p:extLst>
   </p:cSld>
   <p:clrMapOvr>
     <a:masterClrMapping/>
@@ -3805,6 +3906,11 @@
         </p:txBody>
       </p:sp>
     </p:spTree>
+    <p:extLst>
+      <p:ext uri="{BB962C8B-B14F-4D97-AF65-F5344CB8AC3E}">
+        <p14:creationId xmlns:p14="http://schemas.microsoft.com/office/powerpoint/2010/main" val="690379787"/>
+      </p:ext>
+    </p:extLst>
   </p:cSld>
   <p:clrMapOvr>
     <a:masterClrMapping/>
@@ -3949,6 +4055,11 @@
         </p:txBody>
       </p:sp>
     </p:spTree>
+    <p:extLst>
+      <p:ext uri="{BB962C8B-B14F-4D97-AF65-F5344CB8AC3E}">
+        <p14:creationId xmlns:p14="http://schemas.microsoft.com/office/powerpoint/2010/main" val="358935368"/>
+      </p:ext>
+    </p:extLst>
   </p:cSld>
   <p:clrMapOvr>
     <a:masterClrMapping/>
@@ -4107,6 +4218,11 @@
         </p:txBody>
       </p:sp>
     </p:spTree>
+    <p:extLst>
+      <p:ext uri="{BB962C8B-B14F-4D97-AF65-F5344CB8AC3E}">
+        <p14:creationId xmlns:p14="http://schemas.microsoft.com/office/powerpoint/2010/main" val="345165553"/>
+      </p:ext>
+    </p:extLst>
   </p:cSld>
   <p:clrMapOvr>
     <a:masterClrMapping/>
@@ -4263,6 +4379,11 @@
         </p:txBody>
       </p:sp>
     </p:spTree>
+    <p:extLst>
+      <p:ext uri="{BB962C8B-B14F-4D97-AF65-F5344CB8AC3E}">
+        <p14:creationId xmlns:p14="http://schemas.microsoft.com/office/powerpoint/2010/main" val="844118724"/>
+      </p:ext>
+    </p:extLst>
   </p:cSld>
   <p:clrMapOvr>
     <a:masterClrMapping/>
@@ -4729,11 +4850,11 @@
   <p:clrMapOvr>
     <a:masterClrMapping/>
   </p:clrMapOvr>
-  <p:transition xmlns:p14="http://schemas.microsoft.com/office/powerpoint/2010/main"/>
+  <p:transition/>
   <p:timing>
     <p:tnLst>
       <p:par>
-        <p:cTn xmlns:p14="http://schemas.microsoft.com/office/powerpoint/2010/main" id="1" dur="indefinite" restart="never" nodeType="tmRoot"/>
+        <p:cTn id="1" dur="indefinite" restart="never" nodeType="tmRoot"/>
       </p:par>
     </p:tnLst>
   </p:timing>
@@ -4878,7 +4999,7 @@
   <p:timing>
     <p:tnLst>
       <p:par>
-        <p:cTn xmlns:p14="http://schemas.microsoft.com/office/powerpoint/2010/main" id="1" dur="indefinite" restart="never" nodeType="tmRoot"/>
+        <p:cTn id="1" dur="indefinite" restart="never" nodeType="tmRoot"/>
       </p:par>
     </p:tnLst>
   </p:timing>
@@ -6789,14 +6910,14 @@
           </a:ln>
           <a:extLst>
             <a:ext uri="{909E8E84-426E-40dd-AFC4-6F175D3DCCD1}">
-              <a14:hiddenFill xmlns:a14="http://schemas.microsoft.com/office/drawing/2010/main">
+              <a14:hiddenFill xmlns:a14="http://schemas.microsoft.com/office/drawing/2010/main" xmlns="">
                 <a:solidFill>
                   <a:srgbClr val="FFFFFF"/>
                 </a:solidFill>
               </a14:hiddenFill>
             </a:ext>
             <a:ext uri="{91240B29-F687-4f45-9708-019B960494DF}">
-              <a14:hiddenLine xmlns:a14="http://schemas.microsoft.com/office/drawing/2010/main" w="9525">
+              <a14:hiddenLine xmlns:a14="http://schemas.microsoft.com/office/drawing/2010/main" xmlns="" w="9525">
                 <a:solidFill>
                   <a:srgbClr val="000000"/>
                 </a:solidFill>
@@ -6918,13 +7039,13 @@
   <p:clrMapOvr>
     <a:masterClrMapping/>
   </p:clrMapOvr>
-  <p:transition xmlns:p14="http://schemas.microsoft.com/office/powerpoint/2010/main" spd="med">
+  <p:transition spd="med">
     <p:fade/>
   </p:transition>
   <p:timing>
     <p:tnLst>
       <p:par>
-        <p:cTn xmlns:p14="http://schemas.microsoft.com/office/powerpoint/2010/main" id="1" dur="indefinite" restart="never" nodeType="tmRoot"/>
+        <p:cTn id="1" dur="indefinite" restart="never" nodeType="tmRoot"/>
       </p:par>
     </p:tnLst>
   </p:timing>
@@ -7112,7 +7233,7 @@
   <p:timing>
     <p:tnLst>
       <p:par>
-        <p:cTn xmlns:p14="http://schemas.microsoft.com/office/powerpoint/2010/main" id="1" dur="indefinite" restart="never" nodeType="tmRoot">
+        <p:cTn id="1" dur="indefinite" restart="never" nodeType="tmRoot">
           <p:childTnLst>
             <p:seq concurrent="1" nextAc="seek">
               <p:cTn id="2" dur="indefinite" nodeType="mainSeq">
@@ -7682,7 +7803,7 @@
   <p:timing>
     <p:tnLst>
       <p:par>
-        <p:cTn xmlns:p14="http://schemas.microsoft.com/office/powerpoint/2010/main" id="1" dur="indefinite" restart="never" nodeType="tmRoot"/>
+        <p:cTn id="1" dur="indefinite" restart="never" nodeType="tmRoot"/>
       </p:par>
     </p:tnLst>
   </p:timing>
@@ -7867,7 +7988,7 @@
         </p:nvSpPr>
         <p:spPr>
           <a:xfrm>
-            <a:off x="6629400" y="4648200"/>
+            <a:off x="6629400" y="4581294"/>
             <a:ext cx="1595309" cy="1877437"/>
           </a:xfrm>
           <a:prstGeom prst="rect">
@@ -9457,7 +9578,7 @@
   <p:timing>
     <p:tnLst>
       <p:par>
-        <p:cTn xmlns:p14="http://schemas.microsoft.com/office/powerpoint/2010/main" id="1" dur="indefinite" restart="never" nodeType="tmRoot"/>
+        <p:cTn id="1" dur="indefinite" restart="never" nodeType="tmRoot"/>
       </p:par>
     </p:tnLst>
   </p:timing>
@@ -9557,7 +9678,7 @@
   <p:timing>
     <p:tnLst>
       <p:par>
-        <p:cTn xmlns:p14="http://schemas.microsoft.com/office/powerpoint/2010/main" id="1" dur="indefinite" restart="never" nodeType="tmRoot">
+        <p:cTn id="1" dur="indefinite" restart="never" nodeType="tmRoot">
           <p:childTnLst>
             <p:seq concurrent="1" nextAc="seek">
               <p:cTn id="2" dur="indefinite" nodeType="mainSeq">
@@ -9741,7 +9862,7 @@
   <p:timing>
     <p:tnLst>
       <p:par>
-        <p:cTn xmlns:p14="http://schemas.microsoft.com/office/powerpoint/2010/main" id="1" dur="indefinite" restart="never" nodeType="tmRoot"/>
+        <p:cTn id="1" dur="indefinite" restart="never" nodeType="tmRoot"/>
       </p:par>
     </p:tnLst>
   </p:timing>
@@ -9954,7 +10075,7 @@
   <p:timing>
     <p:tnLst>
       <p:par>
-        <p:cTn xmlns:p14="http://schemas.microsoft.com/office/powerpoint/2010/main" id="1" dur="indefinite" restart="never" nodeType="tmRoot"/>
+        <p:cTn id="1" dur="indefinite" restart="never" nodeType="tmRoot"/>
       </p:par>
     </p:tnLst>
   </p:timing>
@@ -10097,7 +10218,7 @@
         </p:blipFill>
         <p:spPr>
           <a:xfrm>
-            <a:off x="7315200" y="1981200"/>
+            <a:off x="7627434" y="1592263"/>
             <a:ext cx="1262380" cy="4533900"/>
           </a:xfrm>
           <a:prstGeom prst="rect">
@@ -10126,7 +10247,7 @@
   <p:timing>
     <p:tnLst>
       <p:par>
-        <p:cTn xmlns:p14="http://schemas.microsoft.com/office/powerpoint/2010/main" id="1" dur="indefinite" restart="never" nodeType="tmRoot"/>
+        <p:cTn id="1" dur="indefinite" restart="never" nodeType="tmRoot"/>
       </p:par>
     </p:tnLst>
   </p:timing>
@@ -10183,11 +10304,11 @@
   <p:clrMapOvr>
     <a:masterClrMapping/>
   </p:clrMapOvr>
-  <p:transition xmlns:p14="http://schemas.microsoft.com/office/powerpoint/2010/main"/>
+  <p:transition/>
   <p:timing>
     <p:tnLst>
       <p:par>
-        <p:cTn xmlns:p14="http://schemas.microsoft.com/office/powerpoint/2010/main" id="1" dur="indefinite" restart="never" nodeType="tmRoot"/>
+        <p:cTn id="1" dur="indefinite" restart="never" nodeType="tmRoot"/>
       </p:par>
     </p:tnLst>
   </p:timing>
@@ -10768,7 +10889,7 @@
   <p:timing>
     <p:tnLst>
       <p:par>
-        <p:cTn xmlns:p14="http://schemas.microsoft.com/office/powerpoint/2010/main" id="1" dur="indefinite" restart="never" nodeType="tmRoot"/>
+        <p:cTn id="1" dur="indefinite" restart="never" nodeType="tmRoot"/>
       </p:par>
     </p:tnLst>
   </p:timing>
@@ -10916,7 +11037,7 @@
   <p:timing>
     <p:tnLst>
       <p:par>
-        <p:cTn xmlns:p14="http://schemas.microsoft.com/office/powerpoint/2010/main" id="1" dur="indefinite" restart="never" nodeType="tmRoot"/>
+        <p:cTn id="1" dur="indefinite" restart="never" nodeType="tmRoot"/>
       </p:par>
     </p:tnLst>
   </p:timing>
@@ -13189,7 +13310,7 @@
   <p:timing>
     <p:tnLst>
       <p:par>
-        <p:cTn xmlns:p14="http://schemas.microsoft.com/office/powerpoint/2010/main" id="1" dur="indefinite" restart="never" nodeType="tmRoot"/>
+        <p:cTn id="1" dur="indefinite" restart="never" nodeType="tmRoot"/>
       </p:par>
     </p:tnLst>
   </p:timing>
@@ -13424,7 +13545,7 @@
   <p:timing>
     <p:tnLst>
       <p:par>
-        <p:cTn xmlns:p14="http://schemas.microsoft.com/office/powerpoint/2010/main" id="1" dur="indefinite" restart="never" nodeType="tmRoot"/>
+        <p:cTn id="1" dur="indefinite" restart="never" nodeType="tmRoot"/>
       </p:par>
     </p:tnLst>
   </p:timing>
@@ -14234,7 +14355,7 @@
   <p:timing>
     <p:tnLst>
       <p:par>
-        <p:cTn xmlns:p14="http://schemas.microsoft.com/office/powerpoint/2010/main" id="1" dur="indefinite" restart="never" nodeType="tmRoot"/>
+        <p:cTn id="1" dur="indefinite" restart="never" nodeType="tmRoot"/>
       </p:par>
     </p:tnLst>
   </p:timing>
@@ -14291,11 +14412,11 @@
   <p:clrMapOvr>
     <a:masterClrMapping/>
   </p:clrMapOvr>
-  <p:transition xmlns:p14="http://schemas.microsoft.com/office/powerpoint/2010/main"/>
+  <p:transition/>
   <p:timing>
     <p:tnLst>
       <p:par>
-        <p:cTn xmlns:p14="http://schemas.microsoft.com/office/powerpoint/2010/main" id="1" dur="indefinite" restart="never" nodeType="tmRoot"/>
+        <p:cTn id="1" dur="indefinite" restart="never" nodeType="tmRoot"/>
       </p:par>
     </p:tnLst>
   </p:timing>
@@ -14365,7 +14486,7 @@
           <a:graphicData uri="http://schemas.openxmlformats.org/presentationml/2006/ole">
             <mc:AlternateContent xmlns:mc="http://schemas.openxmlformats.org/markup-compatibility/2006">
               <mc:Choice xmlns:v="urn:schemas-microsoft-com:vml" Requires="v">
-                <p:oleObj spid="_x0000_s1031" name="Chart" r:id="rId4" imgW="6286500" imgH="2924277" progId="MSGraph.Chart.8">
+                <p:oleObj spid="_x0000_s1033" name="Chart" r:id="rId4" imgW="6286500" imgH="2924277" progId="MSGraph.Chart.8">
                   <p:embed/>
                 </p:oleObj>
               </mc:Choice>
@@ -14404,7 +14525,7 @@
                       <a:noFill/>
                       <a:extLst>
                         <a:ext uri="{909E8E84-426E-40dd-AFC4-6F175D3DCCD1}">
-                          <a14:hiddenFill xmlns:a14="http://schemas.microsoft.com/office/drawing/2010/main">
+                          <a14:hiddenFill xmlns:a14="http://schemas.microsoft.com/office/drawing/2010/main" xmlns="">
                             <a:solidFill>
                               <a:srgbClr val="00CC99"/>
                             </a:solidFill>
@@ -14531,7 +14652,7 @@
   <p:timing>
     <p:tnLst>
       <p:par>
-        <p:cTn xmlns:p14="http://schemas.microsoft.com/office/powerpoint/2010/main" id="1" dur="indefinite" restart="never" nodeType="tmRoot"/>
+        <p:cTn id="1" dur="indefinite" restart="never" nodeType="tmRoot"/>
       </p:par>
     </p:tnLst>
   </p:timing>
@@ -14652,7 +14773,7 @@
   <p:timing>
     <p:tnLst>
       <p:par>
-        <p:cTn xmlns:p14="http://schemas.microsoft.com/office/powerpoint/2010/main" id="1" dur="indefinite" restart="never" nodeType="tmRoot">
+        <p:cTn id="1" dur="indefinite" restart="never" nodeType="tmRoot">
           <p:childTnLst>
             <p:seq concurrent="1" nextAc="seek">
               <p:cTn id="2" dur="indefinite" nodeType="mainSeq">
@@ -15195,7 +15316,7 @@
   <p:timing>
     <p:tnLst>
       <p:par>
-        <p:cTn xmlns:p14="http://schemas.microsoft.com/office/powerpoint/2010/main" id="1" dur="indefinite" restart="never" nodeType="tmRoot"/>
+        <p:cTn id="1" dur="indefinite" restart="never" nodeType="tmRoot"/>
       </p:par>
     </p:tnLst>
   </p:timing>
@@ -15252,11 +15373,11 @@
   <p:clrMapOvr>
     <a:masterClrMapping/>
   </p:clrMapOvr>
-  <p:transition xmlns:p14="http://schemas.microsoft.com/office/powerpoint/2010/main"/>
+  <p:transition/>
   <p:timing>
     <p:tnLst>
       <p:par>
-        <p:cTn xmlns:p14="http://schemas.microsoft.com/office/powerpoint/2010/main" id="1" dur="indefinite" restart="never" nodeType="tmRoot"/>
+        <p:cTn id="1" dur="indefinite" restart="never" nodeType="tmRoot"/>
       </p:par>
     </p:tnLst>
   </p:timing>
@@ -16066,7 +16187,7 @@
   <p:timing>
     <p:tnLst>
       <p:par>
-        <p:cTn xmlns:p14="http://schemas.microsoft.com/office/powerpoint/2010/main" id="1" dur="indefinite" restart="never" nodeType="tmRoot"/>
+        <p:cTn id="1" dur="indefinite" restart="never" nodeType="tmRoot"/>
       </p:par>
     </p:tnLst>
   </p:timing>
@@ -16605,7 +16726,7 @@
   <p:timing>
     <p:tnLst>
       <p:par>
-        <p:cTn xmlns:p14="http://schemas.microsoft.com/office/powerpoint/2010/main" id="1" dur="indefinite" restart="never" nodeType="tmRoot"/>
+        <p:cTn id="1" dur="indefinite" restart="never" nodeType="tmRoot"/>
       </p:par>
     </p:tnLst>
   </p:timing>
@@ -16662,11 +16783,11 @@
   <p:clrMapOvr>
     <a:masterClrMapping/>
   </p:clrMapOvr>
-  <p:transition xmlns:p14="http://schemas.microsoft.com/office/powerpoint/2010/main"/>
+  <p:transition/>
   <p:timing>
     <p:tnLst>
       <p:par>
-        <p:cTn xmlns:p14="http://schemas.microsoft.com/office/powerpoint/2010/main" id="1" dur="indefinite" restart="never" nodeType="tmRoot"/>
+        <p:cTn id="1" dur="indefinite" restart="never" nodeType="tmRoot"/>
       </p:par>
     </p:tnLst>
   </p:timing>
@@ -16768,7 +16889,7 @@
   <p:timing>
     <p:tnLst>
       <p:par>
-        <p:cTn xmlns:p14="http://schemas.microsoft.com/office/powerpoint/2010/main" id="1" dur="indefinite" restart="never" nodeType="tmRoot"/>
+        <p:cTn id="1" dur="indefinite" restart="never" nodeType="tmRoot"/>
       </p:par>
     </p:tnLst>
   </p:timing>
@@ -17267,7 +17388,7 @@
   <p:timing>
     <p:tnLst>
       <p:par>
-        <p:cTn xmlns:p14="http://schemas.microsoft.com/office/powerpoint/2010/main" id="1" dur="indefinite" restart="never" nodeType="tmRoot"/>
+        <p:cTn id="1" dur="indefinite" restart="never" nodeType="tmRoot"/>
       </p:par>
     </p:tnLst>
   </p:timing>
@@ -17376,7 +17497,7 @@
   <p:timing>
     <p:tnLst>
       <p:par>
-        <p:cTn xmlns:p14="http://schemas.microsoft.com/office/powerpoint/2010/main" id="1" dur="indefinite" restart="never" nodeType="tmRoot"/>
+        <p:cTn id="1" dur="indefinite" restart="never" nodeType="tmRoot"/>
       </p:par>
     </p:tnLst>
   </p:timing>
@@ -17433,11 +17554,11 @@
   <p:clrMapOvr>
     <a:masterClrMapping/>
   </p:clrMapOvr>
-  <p:transition xmlns:p14="http://schemas.microsoft.com/office/powerpoint/2010/main"/>
+  <p:transition/>
   <p:timing>
     <p:tnLst>
       <p:par>
-        <p:cTn xmlns:p14="http://schemas.microsoft.com/office/powerpoint/2010/main" id="1" dur="indefinite" restart="never" nodeType="tmRoot"/>
+        <p:cTn id="1" dur="indefinite" restart="never" nodeType="tmRoot"/>
       </p:par>
     </p:tnLst>
   </p:timing>

--- a/Agile Business Analysis/02-Project Vision and Business Objectives.pptx
+++ b/Agile Business Analysis/02-Project Vision and Business Objectives.pptx
@@ -234,7 +234,7 @@
           <a:p>
             <a:fld id="{56E711E6-639C-E844-BBE4-140FBBE7A684}" type="datetimeFigureOut">
               <a:rPr lang="en-US" smtClean="0"/>
-              <a:t>10/5/15</a:t>
+              <a:t>12/21/15</a:t>
             </a:fld>
             <a:endParaRPr lang="en-US"/>
           </a:p>
@@ -4335,22 +4335,13 @@
             </a:r>
             <a:r>
               <a:rPr lang="en-US" baseline="0" dirty="0" smtClean="0"/>
-              <a:t> this objective?</a:t>
-            </a:r>
-          </a:p>
-          <a:p>
-            <a:endParaRPr lang="en-US" dirty="0" smtClean="0"/>
-          </a:p>
-          <a:p>
-            <a:r>
-              <a:rPr lang="en-US" b="1" dirty="0" smtClean="0"/>
-              <a:t>[Doc asks “is this</a:t>
-            </a:r>
-            <a:r>
-              <a:rPr lang="en-US" b="1" baseline="0" dirty="0" smtClean="0"/>
-              <a:t> the Five Whys?”]</a:t>
-            </a:r>
-            <a:endParaRPr lang="en-US" b="1" dirty="0"/>
+              <a:t> this objective</a:t>
+            </a:r>
+            <a:r>
+              <a:rPr lang="en-US" baseline="0" dirty="0" smtClean="0"/>
+              <a:t>?</a:t>
+            </a:r>
+            <a:endParaRPr lang="en-US" baseline="0" dirty="0" smtClean="0"/>
           </a:p>
         </p:txBody>
       </p:sp>
@@ -6910,14 +6901,14 @@
           </a:ln>
           <a:extLst>
             <a:ext uri="{909E8E84-426E-40dd-AFC4-6F175D3DCCD1}">
-              <a14:hiddenFill xmlns:a14="http://schemas.microsoft.com/office/drawing/2010/main" xmlns="">
+              <a14:hiddenFill xmlns="" xmlns:a14="http://schemas.microsoft.com/office/drawing/2010/main">
                 <a:solidFill>
                   <a:srgbClr val="FFFFFF"/>
                 </a:solidFill>
               </a14:hiddenFill>
             </a:ext>
             <a:ext uri="{91240B29-F687-4f45-9708-019B960494DF}">
-              <a14:hiddenLine xmlns:a14="http://schemas.microsoft.com/office/drawing/2010/main" xmlns="" w="9525">
+              <a14:hiddenLine xmlns="" xmlns:a14="http://schemas.microsoft.com/office/drawing/2010/main" w="9525">
                 <a:solidFill>
                   <a:srgbClr val="000000"/>
                 </a:solidFill>
@@ -14486,7 +14477,7 @@
           <a:graphicData uri="http://schemas.openxmlformats.org/presentationml/2006/ole">
             <mc:AlternateContent xmlns:mc="http://schemas.openxmlformats.org/markup-compatibility/2006">
               <mc:Choice xmlns:v="urn:schemas-microsoft-com:vml" Requires="v">
-                <p:oleObj spid="_x0000_s1033" name="Chart" r:id="rId4" imgW="6286500" imgH="2924277" progId="MSGraph.Chart.8">
+                <p:oleObj spid="_x0000_s1035" name="Chart" r:id="rId4" imgW="6286500" imgH="2924277" progId="MSGraph.Chart.8">
                   <p:embed/>
                 </p:oleObj>
               </mc:Choice>
@@ -14525,7 +14516,7 @@
                       <a:noFill/>
                       <a:extLst>
                         <a:ext uri="{909E8E84-426E-40dd-AFC4-6F175D3DCCD1}">
-                          <a14:hiddenFill xmlns:a14="http://schemas.microsoft.com/office/drawing/2010/main" xmlns="">
+                          <a14:hiddenFill xmlns="" xmlns:a14="http://schemas.microsoft.com/office/drawing/2010/main">
                             <a:solidFill>
                               <a:srgbClr val="00CC99"/>
                             </a:solidFill>
